--- a/HTML-CSS-JS/slides/1-Enviroment.pptx
+++ b/HTML-CSS-JS/slides/1-Enviroment.pptx
@@ -7,8 +7,8 @@
   <p:sldIdLst>
     <p:sldId id="256" r:id="rId2"/>
     <p:sldId id="257" r:id="rId3"/>
-    <p:sldId id="258" r:id="rId4"/>
-    <p:sldId id="262" r:id="rId5"/>
+    <p:sldId id="262" r:id="rId4"/>
+    <p:sldId id="258" r:id="rId5"/>
     <p:sldId id="259" r:id="rId6"/>
     <p:sldId id="271" r:id="rId7"/>
     <p:sldId id="270" r:id="rId8"/>
@@ -794,7 +794,7 @@
                 <a:latin typeface="Lato" panose="020F0502020204030203" pitchFamily="34" charset="0"/>
                 <a:ea typeface="Roboto" panose="02000000000000000000" pitchFamily="2" charset="0"/>
               </a:rPr>
-              <a:t>Using Ubuntu 16.04.</a:t>
+              <a:t>Using Windows.</a:t>
             </a:r>
           </a:p>
           <a:p>
@@ -1027,7 +1027,7 @@
           <p:cNvPr id="19" name="Rectangle 18">
             <a:extLst>
               <a:ext uri="{FF2B5EF4-FFF2-40B4-BE49-F238E27FC236}">
-                <a16:creationId xmlns:a16="http://schemas.microsoft.com/office/drawing/2014/main" id="{FD20D335-BC57-4CF3-B6F0-95DF722FDE8F}"/>
+                <a16:creationId xmlns:a16="http://schemas.microsoft.com/office/drawing/2014/main" id="{93828E9D-25BC-4EAF-862C-7FC7DF89EAE4}"/>
               </a:ext>
             </a:extLst>
           </p:cNvPr>
@@ -1092,8 +1092,8 @@
         </p:nvSpPr>
         <p:spPr>
           <a:xfrm>
-            <a:off x="2342410" y="859665"/>
-            <a:ext cx="7507184" cy="646331"/>
+            <a:off x="2309654" y="859665"/>
+            <a:ext cx="7572715" cy="646331"/>
           </a:xfrm>
           <a:prstGeom prst="rect">
             <a:avLst/>
@@ -1114,7 +1114,7 @@
                 </a:solidFill>
                 <a:latin typeface="Lato" panose="020F0502020204030203" pitchFamily="34" charset="0"/>
               </a:rPr>
-              <a:t>UBUNTU 16.04 &amp; COMMAND LINE</a:t>
+              <a:t>USING GIT &amp; GITHUB REPOSITORY</a:t>
             </a:r>
           </a:p>
         </p:txBody>
@@ -1133,8 +1133,8 @@
         </p:nvSpPr>
         <p:spPr>
           <a:xfrm>
-            <a:off x="1261235" y="1685487"/>
-            <a:ext cx="10236200" cy="3666517"/>
+            <a:off x="0" y="1757324"/>
+            <a:ext cx="6793867" cy="3343351"/>
           </a:xfrm>
           <a:prstGeom prst="rect">
             <a:avLst/>
@@ -1149,7 +1149,7 @@
           <a:p>
             <a:pPr marL="342900" indent="-342900">
               <a:lnSpc>
-                <a:spcPct val="200000"/>
+                <a:spcPct val="150000"/>
               </a:lnSpc>
               <a:buFont typeface="Wingdings" panose="05000000000000000000" pitchFamily="2" charset="2"/>
               <a:buChar char="§"/>
@@ -1161,13 +1161,13 @@
                 </a:solidFill>
                 <a:latin typeface="Lato" panose="020F0502020204030203" pitchFamily="34" charset="0"/>
               </a:rPr>
-              <a:t>Have to install Ubuntu 16.04 and using it in this course.</a:t>
+              <a:t>Install Git &amp; register an account at Github.com.</a:t>
             </a:r>
           </a:p>
           <a:p>
             <a:pPr marL="342900" indent="-342900">
               <a:lnSpc>
-                <a:spcPct val="200000"/>
+                <a:spcPct val="150000"/>
               </a:lnSpc>
               <a:buFont typeface="Wingdings" panose="05000000000000000000" pitchFamily="2" charset="2"/>
               <a:buChar char="§"/>
@@ -1179,13 +1179,13 @@
                 </a:solidFill>
                 <a:latin typeface="Lato" panose="020F0502020204030203" pitchFamily="34" charset="0"/>
               </a:rPr>
-              <a:t>Can be using Ubuntu and Windows dual boot.</a:t>
+              <a:t>Git is a software tool that we use to track the changes made to our software over time.</a:t>
             </a:r>
           </a:p>
           <a:p>
             <a:pPr marL="342900" indent="-342900">
               <a:lnSpc>
-                <a:spcPct val="200000"/>
+                <a:spcPct val="150000"/>
               </a:lnSpc>
               <a:buFont typeface="Wingdings" panose="05000000000000000000" pitchFamily="2" charset="2"/>
               <a:buChar char="§"/>
@@ -1197,43 +1197,7 @@
                 </a:solidFill>
                 <a:latin typeface="Lato" panose="020F0502020204030203" pitchFamily="34" charset="0"/>
               </a:rPr>
-              <a:t>Learn some of command line to using like : cd, ls, rm, mv, cp.</a:t>
-            </a:r>
-          </a:p>
-          <a:p>
-            <a:pPr marL="342900" indent="-342900">
-              <a:lnSpc>
-                <a:spcPct val="200000"/>
-              </a:lnSpc>
-              <a:buFont typeface="Wingdings" panose="05000000000000000000" pitchFamily="2" charset="2"/>
-              <a:buChar char="§"/>
-            </a:pPr>
-            <a:r>
-              <a:rPr lang="en-US" sz="2400" dirty="0">
-                <a:solidFill>
-                  <a:schemeClr val="bg1"/>
-                </a:solidFill>
-                <a:latin typeface="Lato" panose="020F0502020204030203" pitchFamily="34" charset="0"/>
-              </a:rPr>
-              <a:t>Have to install VS Code, Chrome by command line.</a:t>
-            </a:r>
-          </a:p>
-          <a:p>
-            <a:pPr marL="342900" indent="-342900">
-              <a:lnSpc>
-                <a:spcPct val="200000"/>
-              </a:lnSpc>
-              <a:buFont typeface="Wingdings" panose="05000000000000000000" pitchFamily="2" charset="2"/>
-              <a:buChar char="§"/>
-            </a:pPr>
-            <a:r>
-              <a:rPr lang="en-US" sz="2400" dirty="0">
-                <a:solidFill>
-                  <a:schemeClr val="bg1"/>
-                </a:solidFill>
-                <a:latin typeface="Lato" panose="020F0502020204030203" pitchFamily="34" charset="0"/>
-              </a:rPr>
-              <a:t>Using command line to install Git.</a:t>
+              <a:t>GitHub is a code hosting platform for version control and collaboration. It lets you and others work together on projects from anywhere.</a:t>
             </a:r>
           </a:p>
         </p:txBody>
@@ -1243,7 +1207,7 @@
           <p:cNvPr id="21" name="Straight Connector 20">
             <a:extLst>
               <a:ext uri="{FF2B5EF4-FFF2-40B4-BE49-F238E27FC236}">
-                <a16:creationId xmlns:a16="http://schemas.microsoft.com/office/drawing/2014/main" id="{04DF2574-DB2D-48B5-9219-5349A971A6F0}"/>
+                <a16:creationId xmlns:a16="http://schemas.microsoft.com/office/drawing/2014/main" id="{FDBF1F18-61FA-425C-8993-BDEDFE7F11A4}"/>
               </a:ext>
             </a:extLst>
           </p:cNvPr>
@@ -1281,10 +1245,46 @@
           </a:fontRef>
         </p:style>
       </p:cxnSp>
+      <p:pic>
+        <p:nvPicPr>
+          <p:cNvPr id="9" name="Picture 8">
+            <a:extLst>
+              <a:ext uri="{FF2B5EF4-FFF2-40B4-BE49-F238E27FC236}">
+                <a16:creationId xmlns:a16="http://schemas.microsoft.com/office/drawing/2014/main" id="{2AC6AC62-B45E-49AB-9C30-35793267043F}"/>
+              </a:ext>
+            </a:extLst>
+          </p:cNvPr>
+          <p:cNvPicPr>
+            <a:picLocks noChangeAspect="1"/>
+          </p:cNvPicPr>
+          <p:nvPr/>
+        </p:nvPicPr>
+        <p:blipFill>
+          <a:blip r:embed="rId2">
+            <a:extLst>
+              <a:ext uri="{28A0092B-C50C-407E-A947-70E740481C1C}">
+                <a14:useLocalDpi xmlns:a14="http://schemas.microsoft.com/office/drawing/2010/main" val="0"/>
+              </a:ext>
+            </a:extLst>
+          </a:blip>
+          <a:stretch>
+            <a:fillRect/>
+          </a:stretch>
+        </p:blipFill>
+        <p:spPr>
+          <a:xfrm>
+            <a:off x="6958884" y="1757324"/>
+            <a:ext cx="5069901" cy="4159359"/>
+          </a:xfrm>
+          <a:prstGeom prst="rect">
+            <a:avLst/>
+          </a:prstGeom>
+        </p:spPr>
+      </p:pic>
     </p:spTree>
     <p:extLst>
       <p:ext uri="{BB962C8B-B14F-4D97-AF65-F5344CB8AC3E}">
-        <p14:creationId xmlns:p14="http://schemas.microsoft.com/office/powerpoint/2010/main" val="2710105719"/>
+        <p14:creationId xmlns:p14="http://schemas.microsoft.com/office/powerpoint/2010/main" val="2297106762"/>
       </p:ext>
     </p:extLst>
   </p:cSld>
@@ -1316,7 +1316,7 @@
           <p:cNvPr id="19" name="Rectangle 18">
             <a:extLst>
               <a:ext uri="{FF2B5EF4-FFF2-40B4-BE49-F238E27FC236}">
-                <a16:creationId xmlns:a16="http://schemas.microsoft.com/office/drawing/2014/main" id="{93828E9D-25BC-4EAF-862C-7FC7DF89EAE4}"/>
+                <a16:creationId xmlns:a16="http://schemas.microsoft.com/office/drawing/2014/main" id="{FD20D335-BC57-4CF3-B6F0-95DF722FDE8F}"/>
               </a:ext>
             </a:extLst>
           </p:cNvPr>
@@ -1381,8 +1381,8 @@
         </p:nvSpPr>
         <p:spPr>
           <a:xfrm>
-            <a:off x="2309654" y="859665"/>
-            <a:ext cx="7572715" cy="646331"/>
+            <a:off x="2912279" y="859665"/>
+            <a:ext cx="6367449" cy="646331"/>
           </a:xfrm>
           <a:prstGeom prst="rect">
             <a:avLst/>
@@ -1403,7 +1403,7 @@
                 </a:solidFill>
                 <a:latin typeface="Lato" panose="020F0502020204030203" pitchFamily="34" charset="0"/>
               </a:rPr>
-              <a:t>USING GIT &amp; GITHUB REPOSITORY</a:t>
+              <a:t>GIT BASH &amp; COMMAND LINE</a:t>
             </a:r>
           </a:p>
         </p:txBody>
@@ -1422,8 +1422,8 @@
         </p:nvSpPr>
         <p:spPr>
           <a:xfrm>
-            <a:off x="0" y="1757324"/>
-            <a:ext cx="6793867" cy="3343351"/>
+            <a:off x="0" y="1685487"/>
+            <a:ext cx="12192000" cy="3666196"/>
           </a:xfrm>
           <a:prstGeom prst="rect">
             <a:avLst/>
@@ -1438,7 +1438,7 @@
           <a:p>
             <a:pPr marL="342900" indent="-342900">
               <a:lnSpc>
-                <a:spcPct val="150000"/>
+                <a:spcPct val="200000"/>
               </a:lnSpc>
               <a:buFont typeface="Wingdings" panose="05000000000000000000" pitchFamily="2" charset="2"/>
               <a:buChar char="§"/>
@@ -1450,13 +1450,13 @@
                 </a:solidFill>
                 <a:latin typeface="Lato" panose="020F0502020204030203" pitchFamily="34" charset="0"/>
               </a:rPr>
-              <a:t>Install Git &amp; register an account at Github.com.</a:t>
+              <a:t>Have to install Git and using Git Bash during this course.</a:t>
             </a:r>
           </a:p>
           <a:p>
             <a:pPr marL="342900" indent="-342900">
               <a:lnSpc>
-                <a:spcPct val="150000"/>
+                <a:spcPct val="200000"/>
               </a:lnSpc>
               <a:buFont typeface="Wingdings" panose="05000000000000000000" pitchFamily="2" charset="2"/>
               <a:buChar char="§"/>
@@ -1468,13 +1468,13 @@
                 </a:solidFill>
                 <a:latin typeface="Lato" panose="020F0502020204030203" pitchFamily="34" charset="0"/>
               </a:rPr>
-              <a:t>Git is a software tool that we use to track the changes made to our software over time.</a:t>
+              <a:t>Learn some of command line to using like : cd, ls, rm, mv, cp.</a:t>
             </a:r>
           </a:p>
           <a:p>
             <a:pPr marL="342900" indent="-342900">
               <a:lnSpc>
-                <a:spcPct val="150000"/>
+                <a:spcPct val="200000"/>
               </a:lnSpc>
               <a:buFont typeface="Wingdings" panose="05000000000000000000" pitchFamily="2" charset="2"/>
               <a:buChar char="§"/>
@@ -1486,8 +1486,101 @@
                 </a:solidFill>
                 <a:latin typeface="Lato" panose="020F0502020204030203" pitchFamily="34" charset="0"/>
               </a:rPr>
-              <a:t>GitHub is a code hosting platform for version control and collaboration. It lets you and others work together on projects from anywhere.</a:t>
-            </a:r>
+              <a:t>Using Tab (in keyboard) to complete your command line.</a:t>
+            </a:r>
+          </a:p>
+          <a:p>
+            <a:pPr marL="342900" indent="-342900">
+              <a:lnSpc>
+                <a:spcPct val="200000"/>
+              </a:lnSpc>
+              <a:buFont typeface="Wingdings" panose="05000000000000000000" pitchFamily="2" charset="2"/>
+              <a:buChar char="§"/>
+            </a:pPr>
+            <a:r>
+              <a:rPr lang="en-US" sz="2400" dirty="0">
+                <a:solidFill>
+                  <a:schemeClr val="bg1"/>
+                </a:solidFill>
+                <a:latin typeface="Lato" panose="020F0502020204030203" pitchFamily="34" charset="0"/>
+              </a:rPr>
+              <a:t>Try to access into your disk by Git Bash.</a:t>
+            </a:r>
+          </a:p>
+          <a:p>
+            <a:pPr marL="342900" indent="-342900">
+              <a:lnSpc>
+                <a:spcPct val="200000"/>
+              </a:lnSpc>
+              <a:buFont typeface="Wingdings" panose="05000000000000000000" pitchFamily="2" charset="2"/>
+              <a:buChar char="§"/>
+            </a:pPr>
+            <a:r>
+              <a:rPr lang="en-US" sz="2400" dirty="0">
+                <a:solidFill>
+                  <a:schemeClr val="bg1"/>
+                </a:solidFill>
+                <a:latin typeface="Lato" panose="020F0502020204030203" pitchFamily="34" charset="0"/>
+              </a:rPr>
+              <a:t>Try this one : </a:t>
+            </a:r>
+            <a:r>
+              <a:rPr lang="en-US" sz="2400" b="1" dirty="0">
+                <a:solidFill>
+                  <a:schemeClr val="bg1"/>
+                </a:solidFill>
+                <a:latin typeface="Verdana" panose="020B0604030504040204" pitchFamily="34" charset="0"/>
+                <a:ea typeface="Verdana" panose="020B0604030504040204" pitchFamily="34" charset="0"/>
+                <a:cs typeface="Adobe Arabic" panose="02040503050201020203" pitchFamily="18" charset="-78"/>
+              </a:rPr>
+              <a:t>cd C:/ </a:t>
+            </a:r>
+            <a:r>
+              <a:rPr lang="en-US" sz="2400" dirty="0">
+                <a:solidFill>
+                  <a:schemeClr val="bg1"/>
+                </a:solidFill>
+                <a:latin typeface="Lato" panose="020F0502020204030203" pitchFamily="34" charset="0"/>
+              </a:rPr>
+              <a:t>and </a:t>
+            </a:r>
+            <a:r>
+              <a:rPr lang="en-US" sz="2400" b="1" dirty="0" err="1">
+                <a:solidFill>
+                  <a:schemeClr val="bg1"/>
+                </a:solidFill>
+                <a:latin typeface="Verdana" panose="020B0604030504040204" pitchFamily="34" charset="0"/>
+                <a:ea typeface="Verdana" panose="020B0604030504040204" pitchFamily="34" charset="0"/>
+              </a:rPr>
+              <a:t>mkdir</a:t>
+            </a:r>
+            <a:r>
+              <a:rPr lang="en-US" sz="2400" b="1" dirty="0">
+                <a:solidFill>
+                  <a:schemeClr val="bg1"/>
+                </a:solidFill>
+                <a:latin typeface="Verdana" panose="020B0604030504040204" pitchFamily="34" charset="0"/>
+                <a:ea typeface="Verdana" panose="020B0604030504040204" pitchFamily="34" charset="0"/>
+              </a:rPr>
+              <a:t> my-folder</a:t>
+            </a:r>
+            <a:r>
+              <a:rPr lang="en-US" sz="2400" dirty="0">
+                <a:solidFill>
+                  <a:schemeClr val="bg1"/>
+                </a:solidFill>
+                <a:latin typeface="Verdana" panose="020B0604030504040204" pitchFamily="34" charset="0"/>
+                <a:ea typeface="Verdana" panose="020B0604030504040204" pitchFamily="34" charset="0"/>
+              </a:rPr>
+              <a:t>, then using cd to go to that folder.</a:t>
+            </a:r>
+            <a:endParaRPr lang="en-US" sz="2400" b="1" dirty="0">
+              <a:solidFill>
+                <a:schemeClr val="bg1"/>
+              </a:solidFill>
+              <a:latin typeface="Verdana" panose="020B0604030504040204" pitchFamily="34" charset="0"/>
+              <a:ea typeface="Verdana" panose="020B0604030504040204" pitchFamily="34" charset="0"/>
+            </a:endParaRPr>
           </a:p>
         </p:txBody>
       </p:sp>
@@ -1496,7 +1589,7 @@
           <p:cNvPr id="21" name="Straight Connector 20">
             <a:extLst>
               <a:ext uri="{FF2B5EF4-FFF2-40B4-BE49-F238E27FC236}">
-                <a16:creationId xmlns:a16="http://schemas.microsoft.com/office/drawing/2014/main" id="{FDBF1F18-61FA-425C-8993-BDEDFE7F11A4}"/>
+                <a16:creationId xmlns:a16="http://schemas.microsoft.com/office/drawing/2014/main" id="{04DF2574-DB2D-48B5-9219-5349A971A6F0}"/>
               </a:ext>
             </a:extLst>
           </p:cNvPr>
@@ -1534,46 +1627,10 @@
           </a:fontRef>
         </p:style>
       </p:cxnSp>
-      <p:pic>
-        <p:nvPicPr>
-          <p:cNvPr id="9" name="Picture 8">
-            <a:extLst>
-              <a:ext uri="{FF2B5EF4-FFF2-40B4-BE49-F238E27FC236}">
-                <a16:creationId xmlns:a16="http://schemas.microsoft.com/office/drawing/2014/main" id="{2AC6AC62-B45E-49AB-9C30-35793267043F}"/>
-              </a:ext>
-            </a:extLst>
-          </p:cNvPr>
-          <p:cNvPicPr>
-            <a:picLocks noChangeAspect="1"/>
-          </p:cNvPicPr>
-          <p:nvPr/>
-        </p:nvPicPr>
-        <p:blipFill>
-          <a:blip r:embed="rId2">
-            <a:extLst>
-              <a:ext uri="{28A0092B-C50C-407E-A947-70E740481C1C}">
-                <a14:useLocalDpi xmlns:a14="http://schemas.microsoft.com/office/drawing/2010/main" val="0"/>
-              </a:ext>
-            </a:extLst>
-          </a:blip>
-          <a:stretch>
-            <a:fillRect/>
-          </a:stretch>
-        </p:blipFill>
-        <p:spPr>
-          <a:xfrm>
-            <a:off x="6958884" y="1757324"/>
-            <a:ext cx="5069901" cy="4159359"/>
-          </a:xfrm>
-          <a:prstGeom prst="rect">
-            <a:avLst/>
-          </a:prstGeom>
-        </p:spPr>
-      </p:pic>
     </p:spTree>
     <p:extLst>
       <p:ext uri="{BB962C8B-B14F-4D97-AF65-F5344CB8AC3E}">
-        <p14:creationId xmlns:p14="http://schemas.microsoft.com/office/powerpoint/2010/main" val="2297106762"/>
+        <p14:creationId xmlns:p14="http://schemas.microsoft.com/office/powerpoint/2010/main" val="2710105719"/>
       </p:ext>
     </p:extLst>
   </p:cSld>

--- a/HTML-CSS-JS/slides/1-Enviroment.pptx
+++ b/HTML-CSS-JS/slides/1-Enviroment.pptx
@@ -765,7 +765,7 @@
         </p:nvSpPr>
         <p:spPr>
           <a:xfrm>
-            <a:off x="666330" y="1691640"/>
+            <a:off x="666330" y="1524976"/>
             <a:ext cx="10859338" cy="3474720"/>
           </a:xfrm>
           <a:prstGeom prst="rect">
@@ -794,7 +794,7 @@
                 <a:latin typeface="Lato" panose="020F0502020204030203" pitchFamily="34" charset="0"/>
                 <a:ea typeface="Roboto" panose="02000000000000000000" pitchFamily="2" charset="0"/>
               </a:rPr>
-              <a:t>Using Windows.</a:t>
+              <a:t>Using Windows 10 or Ubuntu 16.04.</a:t>
             </a:r>
           </a:p>
           <a:p>
@@ -813,7 +813,7 @@
                 <a:latin typeface="Lato" panose="020F0502020204030203" pitchFamily="34" charset="0"/>
                 <a:ea typeface="Roboto" panose="02000000000000000000" pitchFamily="2" charset="0"/>
               </a:rPr>
-              <a:t>Install Git.</a:t>
+              <a:t>Installed Git.</a:t>
             </a:r>
           </a:p>
           <a:p>
@@ -832,7 +832,7 @@
                 <a:latin typeface="Lato" panose="020F0502020204030203" pitchFamily="34" charset="0"/>
                 <a:ea typeface="Roboto" panose="02000000000000000000" pitchFamily="2" charset="0"/>
               </a:rPr>
-              <a:t>Install Visual Studio Code Text Editor – with extensions :  Beautify, Bootstrap 4 Snippet, HTML Snippets, Live Server.</a:t>
+              <a:t>Installed Visual Studio Code – with extensions with extensions : Live server, Prettier, HTML CSS Support, IntelliSense for CSS classes, Auto Close Tag, HTML Snippets, Bootstrap 4 Snippets, Material Theme, Material Icons …</a:t>
             </a:r>
           </a:p>
           <a:p>
@@ -871,17 +871,7 @@
                 <a:latin typeface="Lato" panose="020F0502020204030203" pitchFamily="34" charset="0"/>
                 <a:ea typeface="Roboto" panose="02000000000000000000" pitchFamily="2" charset="0"/>
               </a:rPr>
-              <a:t> Translate, Color </a:t>
-            </a:r>
-            <a:r>
-              <a:rPr lang="en-US" sz="2400" dirty="0" err="1">
-                <a:solidFill>
-                  <a:schemeClr val="bg1"/>
-                </a:solidFill>
-                <a:latin typeface="Lato" panose="020F0502020204030203" pitchFamily="34" charset="0"/>
-                <a:ea typeface="Roboto" panose="02000000000000000000" pitchFamily="2" charset="0"/>
-              </a:rPr>
-              <a:t>Zilla</a:t>
+              <a:t> Translate.</a:t>
             </a:r>
             <a:endParaRPr lang="vi-VN" sz="2400" dirty="0">
               <a:solidFill>

--- a/HTML-CSS-JS/slides/1-Enviroment.pptx
+++ b/HTML-CSS-JS/slides/1-Enviroment.pptx
@@ -7,11 +7,12 @@
   <p:sldIdLst>
     <p:sldId id="256" r:id="rId2"/>
     <p:sldId id="257" r:id="rId3"/>
-    <p:sldId id="262" r:id="rId4"/>
-    <p:sldId id="258" r:id="rId5"/>
-    <p:sldId id="259" r:id="rId6"/>
-    <p:sldId id="271" r:id="rId7"/>
-    <p:sldId id="270" r:id="rId8"/>
+    <p:sldId id="272" r:id="rId4"/>
+    <p:sldId id="262" r:id="rId5"/>
+    <p:sldId id="258" r:id="rId6"/>
+    <p:sldId id="259" r:id="rId7"/>
+    <p:sldId id="271" r:id="rId8"/>
+    <p:sldId id="270" r:id="rId9"/>
   </p:sldIdLst>
   <p:sldSz cx="12192000" cy="6858000"/>
   <p:notesSz cx="6858000" cy="9144000"/>
@@ -1014,10 +1015,10 @@
       </p:grpSpPr>
       <p:sp>
         <p:nvSpPr>
-          <p:cNvPr id="19" name="Rectangle 18">
-            <a:extLst>
-              <a:ext uri="{FF2B5EF4-FFF2-40B4-BE49-F238E27FC236}">
-                <a16:creationId xmlns:a16="http://schemas.microsoft.com/office/drawing/2014/main" id="{93828E9D-25BC-4EAF-862C-7FC7DF89EAE4}"/>
+          <p:cNvPr id="10" name="Rectangle 9">
+            <a:extLst>
+              <a:ext uri="{FF2B5EF4-FFF2-40B4-BE49-F238E27FC236}">
+                <a16:creationId xmlns:a16="http://schemas.microsoft.com/office/drawing/2014/main" id="{8E8C90FA-E4C8-4C29-9376-CB2DB1C5B11C}"/>
               </a:ext>
             </a:extLst>
           </p:cNvPr>
@@ -1036,7 +1037,9 @@
             <a:srgbClr val="4F5B93"/>
           </a:solidFill>
           <a:ln>
-            <a:noFill/>
+            <a:solidFill>
+              <a:srgbClr val="4F5B93"/>
+            </a:solidFill>
           </a:ln>
         </p:spPr>
         <p:style>
@@ -1073,7 +1076,7 @@
           <p:cNvPr id="2" name="TextBox 1">
             <a:extLst>
               <a:ext uri="{FF2B5EF4-FFF2-40B4-BE49-F238E27FC236}">
-                <a16:creationId xmlns:a16="http://schemas.microsoft.com/office/drawing/2014/main" id="{C7B98FD7-B2FD-4A6D-82FB-5C063DF09B5D}"/>
+                <a16:creationId xmlns:a16="http://schemas.microsoft.com/office/drawing/2014/main" id="{DED6ADB1-5275-4EEC-9781-92421390624C}"/>
               </a:ext>
             </a:extLst>
           </p:cNvPr>
@@ -1082,8 +1085,8 @@
         </p:nvSpPr>
         <p:spPr>
           <a:xfrm>
-            <a:off x="2309654" y="859665"/>
-            <a:ext cx="7572715" cy="646331"/>
+            <a:off x="3193987" y="869155"/>
+            <a:ext cx="5804025" cy="646331"/>
           </a:xfrm>
           <a:prstGeom prst="rect">
             <a:avLst/>
@@ -1096,25 +1099,25 @@
           </a:bodyPr>
           <a:lstStyle/>
           <a:p>
-            <a:pPr algn="ctr"/>
             <a:r>
               <a:rPr lang="en-US" sz="3600" dirty="0">
                 <a:solidFill>
                   <a:schemeClr val="bg1"/>
                 </a:solidFill>
                 <a:latin typeface="Lato" panose="020F0502020204030203" pitchFamily="34" charset="0"/>
-              </a:rPr>
-              <a:t>USING GIT &amp; GITHUB REPOSITORY</a:t>
+                <a:ea typeface="Roboto Medium" panose="02000000000000000000" pitchFamily="2" charset="0"/>
+              </a:rPr>
+              <a:t>BEFORE WE GET STARTED</a:t>
             </a:r>
           </a:p>
         </p:txBody>
       </p:sp>
       <p:sp>
         <p:nvSpPr>
-          <p:cNvPr id="5" name="TextBox 4">
-            <a:extLst>
-              <a:ext uri="{FF2B5EF4-FFF2-40B4-BE49-F238E27FC236}">
-                <a16:creationId xmlns:a16="http://schemas.microsoft.com/office/drawing/2014/main" id="{CDB03B32-ABC1-4EE8-8011-78AE9023D2EE}"/>
+          <p:cNvPr id="4" name="TextBox 3">
+            <a:extLst>
+              <a:ext uri="{FF2B5EF4-FFF2-40B4-BE49-F238E27FC236}">
+                <a16:creationId xmlns:a16="http://schemas.microsoft.com/office/drawing/2014/main" id="{0647F6C8-2E02-4D3E-99EB-D1E3679C68BC}"/>
               </a:ext>
             </a:extLst>
           </p:cNvPr>
@@ -1123,8 +1126,8 @@
         </p:nvSpPr>
         <p:spPr>
           <a:xfrm>
-            <a:off x="0" y="1757324"/>
-            <a:ext cx="6793867" cy="3343351"/>
+            <a:off x="666330" y="1524976"/>
+            <a:ext cx="10859338" cy="3474720"/>
           </a:xfrm>
           <a:prstGeom prst="rect">
             <a:avLst/>
@@ -1132,17 +1135,17 @@
           <a:noFill/>
         </p:spPr>
         <p:txBody>
-          <a:bodyPr wrap="square" rtlCol="0">
+          <a:bodyPr wrap="square" numCol="2" rtlCol="0" anchor="ctr">
             <a:spAutoFit/>
           </a:bodyPr>
           <a:lstStyle/>
           <a:p>
-            <a:pPr marL="342900" indent="-342900">
+            <a:pPr marL="457200" indent="-457200">
               <a:lnSpc>
                 <a:spcPct val="150000"/>
               </a:lnSpc>
-              <a:buFont typeface="Wingdings" panose="05000000000000000000" pitchFamily="2" charset="2"/>
-              <a:buChar char="§"/>
+              <a:buFont typeface="+mj-lt"/>
+              <a:buAutoNum type="arabicPeriod"/>
             </a:pPr>
             <a:r>
               <a:rPr lang="en-US" sz="2400" dirty="0">
@@ -1150,17 +1153,18 @@
                   <a:schemeClr val="bg1"/>
                 </a:solidFill>
                 <a:latin typeface="Lato" panose="020F0502020204030203" pitchFamily="34" charset="0"/>
-              </a:rPr>
-              <a:t>Install Git &amp; register an account at Github.com.</a:t>
-            </a:r>
-          </a:p>
-          <a:p>
-            <a:pPr marL="342900" indent="-342900">
+                <a:ea typeface="Roboto" panose="02000000000000000000" pitchFamily="2" charset="0"/>
+              </a:rPr>
+              <a:t>Using Windows 10 or Ubuntu 16.04.</a:t>
+            </a:r>
+          </a:p>
+          <a:p>
+            <a:pPr marL="457200" indent="-457200">
               <a:lnSpc>
                 <a:spcPct val="150000"/>
               </a:lnSpc>
-              <a:buFont typeface="Wingdings" panose="05000000000000000000" pitchFamily="2" charset="2"/>
-              <a:buChar char="§"/>
+              <a:buFont typeface="+mj-lt"/>
+              <a:buAutoNum type="arabicPeriod"/>
             </a:pPr>
             <a:r>
               <a:rPr lang="en-US" sz="2400" dirty="0">
@@ -1168,17 +1172,18 @@
                   <a:schemeClr val="bg1"/>
                 </a:solidFill>
                 <a:latin typeface="Lato" panose="020F0502020204030203" pitchFamily="34" charset="0"/>
-              </a:rPr>
-              <a:t>Git is a software tool that we use to track the changes made to our software over time.</a:t>
-            </a:r>
-          </a:p>
-          <a:p>
-            <a:pPr marL="342900" indent="-342900">
+                <a:ea typeface="Roboto" panose="02000000000000000000" pitchFamily="2" charset="0"/>
+              </a:rPr>
+              <a:t>Installed Git.</a:t>
+            </a:r>
+          </a:p>
+          <a:p>
+            <a:pPr marL="457200" indent="-457200">
               <a:lnSpc>
                 <a:spcPct val="150000"/>
               </a:lnSpc>
-              <a:buFont typeface="Wingdings" panose="05000000000000000000" pitchFamily="2" charset="2"/>
-              <a:buChar char="§"/>
+              <a:buFont typeface="+mj-lt"/>
+              <a:buAutoNum type="arabicPeriod"/>
             </a:pPr>
             <a:r>
               <a:rPr lang="en-US" sz="2400" dirty="0">
@@ -1186,18 +1191,121 @@
                   <a:schemeClr val="bg1"/>
                 </a:solidFill>
                 <a:latin typeface="Lato" panose="020F0502020204030203" pitchFamily="34" charset="0"/>
-              </a:rPr>
-              <a:t>GitHub is a code hosting platform for version control and collaboration. It lets you and others work together on projects from anywhere.</a:t>
+                <a:ea typeface="Roboto" panose="02000000000000000000" pitchFamily="2" charset="0"/>
+              </a:rPr>
+              <a:t>Installed Visual Studio Code – with extensions with extensions : Live server, Prettier, HTML CSS Support, IntelliSense for CSS classes, Auto Close Tag, HTML Snippets, Bootstrap 4 Snippets, Material Theme, Material Icons …</a:t>
+            </a:r>
+          </a:p>
+          <a:p>
+            <a:pPr marL="457200" indent="-457200">
+              <a:lnSpc>
+                <a:spcPct val="150000"/>
+              </a:lnSpc>
+              <a:buFont typeface="+mj-lt"/>
+              <a:buAutoNum type="arabicPeriod"/>
+            </a:pPr>
+            <a:r>
+              <a:rPr lang="en-US" sz="2400" dirty="0">
+                <a:solidFill>
+                  <a:schemeClr val="bg1"/>
+                </a:solidFill>
+                <a:latin typeface="Lato" panose="020F0502020204030203" pitchFamily="34" charset="0"/>
+                <a:ea typeface="Roboto" panose="02000000000000000000" pitchFamily="2" charset="0"/>
+              </a:rPr>
+              <a:t>Chrome Web Browser – with extensions : </a:t>
+            </a:r>
+            <a:r>
+              <a:rPr lang="en-US" sz="2400" dirty="0" err="1">
+                <a:solidFill>
+                  <a:schemeClr val="bg1"/>
+                </a:solidFill>
+                <a:latin typeface="Lato" panose="020F0502020204030203" pitchFamily="34" charset="0"/>
+                <a:ea typeface="Roboto" panose="02000000000000000000" pitchFamily="2" charset="0"/>
+              </a:rPr>
+              <a:t>Ddict</a:t>
+            </a:r>
+            <a:r>
+              <a:rPr lang="en-US" sz="2400" dirty="0">
+                <a:solidFill>
+                  <a:schemeClr val="bg1"/>
+                </a:solidFill>
+                <a:latin typeface="Lato" panose="020F0502020204030203" pitchFamily="34" charset="0"/>
+                <a:ea typeface="Roboto" panose="02000000000000000000" pitchFamily="2" charset="0"/>
+              </a:rPr>
+              <a:t> Translate.</a:t>
+            </a:r>
+            <a:endParaRPr lang="vi-VN" sz="2400" dirty="0">
+              <a:solidFill>
+                <a:schemeClr val="bg1"/>
+              </a:solidFill>
+              <a:latin typeface="Lato" panose="020F0502020204030203" pitchFamily="34" charset="0"/>
+              <a:ea typeface="Roboto" panose="02000000000000000000" pitchFamily="2" charset="0"/>
+            </a:endParaRPr>
+          </a:p>
+        </p:txBody>
+      </p:sp>
+      <p:sp>
+        <p:nvSpPr>
+          <p:cNvPr id="3" name="TextBox 2">
+            <a:extLst>
+              <a:ext uri="{FF2B5EF4-FFF2-40B4-BE49-F238E27FC236}">
+                <a16:creationId xmlns:a16="http://schemas.microsoft.com/office/drawing/2014/main" id="{990D814D-9AFA-4A50-B1B9-0D2A85B0C41F}"/>
+              </a:ext>
+            </a:extLst>
+          </p:cNvPr>
+          <p:cNvSpPr txBox="1"/>
+          <p:nvPr/>
+        </p:nvSpPr>
+        <p:spPr>
+          <a:xfrm>
+            <a:off x="659562" y="5545198"/>
+            <a:ext cx="7463646" cy="453137"/>
+          </a:xfrm>
+          <a:prstGeom prst="rect">
+            <a:avLst/>
+          </a:prstGeom>
+          <a:noFill/>
+        </p:spPr>
+        <p:txBody>
+          <a:bodyPr wrap="none" rtlCol="0">
+            <a:spAutoFit/>
+          </a:bodyPr>
+          <a:lstStyle/>
+          <a:p>
+            <a:pPr>
+              <a:lnSpc>
+                <a:spcPct val="150000"/>
+              </a:lnSpc>
+            </a:pPr>
+            <a:r>
+              <a:rPr lang="en-US" dirty="0">
+                <a:solidFill>
+                  <a:schemeClr val="bg1"/>
+                </a:solidFill>
+                <a:latin typeface="Lato Light" panose="020F0302020204030203" pitchFamily="34" charset="0"/>
+                <a:ea typeface="Roboto Light" panose="02000000000000000000" pitchFamily="2" charset="0"/>
+              </a:rPr>
+              <a:t>* Note it on your paper then we move on to next slide, install it immediately</a:t>
+            </a:r>
+            <a:r>
+              <a:rPr lang="en-US" sz="1200" dirty="0">
+                <a:solidFill>
+                  <a:schemeClr val="bg1"/>
+                </a:solidFill>
+                <a:latin typeface="Lato Light" panose="020F0302020204030203" pitchFamily="34" charset="0"/>
+                <a:ea typeface="Roboto" panose="02000000000000000000" pitchFamily="2" charset="0"/>
+              </a:rPr>
+              <a:t>.</a:t>
             </a:r>
           </a:p>
         </p:txBody>
       </p:sp>
       <p:cxnSp>
         <p:nvCxnSpPr>
-          <p:cNvPr id="21" name="Straight Connector 20">
-            <a:extLst>
-              <a:ext uri="{FF2B5EF4-FFF2-40B4-BE49-F238E27FC236}">
-                <a16:creationId xmlns:a16="http://schemas.microsoft.com/office/drawing/2014/main" id="{FDBF1F18-61FA-425C-8993-BDEDFE7F11A4}"/>
+          <p:cNvPr id="6" name="Straight Connector 5">
+            <a:extLst>
+              <a:ext uri="{FF2B5EF4-FFF2-40B4-BE49-F238E27FC236}">
+                <a16:creationId xmlns:a16="http://schemas.microsoft.com/office/drawing/2014/main" id="{9939FC9E-328D-407F-96C0-68333A155609}"/>
               </a:ext>
             </a:extLst>
           </p:cNvPr>
@@ -1235,46 +1343,10 @@
           </a:fontRef>
         </p:style>
       </p:cxnSp>
-      <p:pic>
-        <p:nvPicPr>
-          <p:cNvPr id="9" name="Picture 8">
-            <a:extLst>
-              <a:ext uri="{FF2B5EF4-FFF2-40B4-BE49-F238E27FC236}">
-                <a16:creationId xmlns:a16="http://schemas.microsoft.com/office/drawing/2014/main" id="{2AC6AC62-B45E-49AB-9C30-35793267043F}"/>
-              </a:ext>
-            </a:extLst>
-          </p:cNvPr>
-          <p:cNvPicPr>
-            <a:picLocks noChangeAspect="1"/>
-          </p:cNvPicPr>
-          <p:nvPr/>
-        </p:nvPicPr>
-        <p:blipFill>
-          <a:blip r:embed="rId2">
-            <a:extLst>
-              <a:ext uri="{28A0092B-C50C-407E-A947-70E740481C1C}">
-                <a14:useLocalDpi xmlns:a14="http://schemas.microsoft.com/office/drawing/2010/main" val="0"/>
-              </a:ext>
-            </a:extLst>
-          </a:blip>
-          <a:stretch>
-            <a:fillRect/>
-          </a:stretch>
-        </p:blipFill>
-        <p:spPr>
-          <a:xfrm>
-            <a:off x="6958884" y="1757324"/>
-            <a:ext cx="5069901" cy="4159359"/>
-          </a:xfrm>
-          <a:prstGeom prst="rect">
-            <a:avLst/>
-          </a:prstGeom>
-        </p:spPr>
-      </p:pic>
     </p:spTree>
     <p:extLst>
       <p:ext uri="{BB962C8B-B14F-4D97-AF65-F5344CB8AC3E}">
-        <p14:creationId xmlns:p14="http://schemas.microsoft.com/office/powerpoint/2010/main" val="2297106762"/>
+        <p14:creationId xmlns:p14="http://schemas.microsoft.com/office/powerpoint/2010/main" val="115611194"/>
       </p:ext>
     </p:extLst>
   </p:cSld>
@@ -1306,7 +1378,7 @@
           <p:cNvPr id="19" name="Rectangle 18">
             <a:extLst>
               <a:ext uri="{FF2B5EF4-FFF2-40B4-BE49-F238E27FC236}">
-                <a16:creationId xmlns:a16="http://schemas.microsoft.com/office/drawing/2014/main" id="{FD20D335-BC57-4CF3-B6F0-95DF722FDE8F}"/>
+                <a16:creationId xmlns:a16="http://schemas.microsoft.com/office/drawing/2014/main" id="{93828E9D-25BC-4EAF-862C-7FC7DF89EAE4}"/>
               </a:ext>
             </a:extLst>
           </p:cNvPr>
@@ -1371,8 +1443,8 @@
         </p:nvSpPr>
         <p:spPr>
           <a:xfrm>
-            <a:off x="2912279" y="859665"/>
-            <a:ext cx="6367449" cy="646331"/>
+            <a:off x="2309654" y="859665"/>
+            <a:ext cx="7572715" cy="646331"/>
           </a:xfrm>
           <a:prstGeom prst="rect">
             <a:avLst/>
@@ -1393,7 +1465,7 @@
                 </a:solidFill>
                 <a:latin typeface="Lato" panose="020F0502020204030203" pitchFamily="34" charset="0"/>
               </a:rPr>
-              <a:t>GIT BASH &amp; COMMAND LINE</a:t>
+              <a:t>USING GIT &amp; GITHUB REPOSITORY</a:t>
             </a:r>
           </a:p>
         </p:txBody>
@@ -1412,8 +1484,8 @@
         </p:nvSpPr>
         <p:spPr>
           <a:xfrm>
-            <a:off x="0" y="1685487"/>
-            <a:ext cx="12192000" cy="3666196"/>
+            <a:off x="0" y="1757324"/>
+            <a:ext cx="6793867" cy="3343351"/>
           </a:xfrm>
           <a:prstGeom prst="rect">
             <a:avLst/>
@@ -1428,7 +1500,7 @@
           <a:p>
             <a:pPr marL="342900" indent="-342900">
               <a:lnSpc>
-                <a:spcPct val="200000"/>
+                <a:spcPct val="150000"/>
               </a:lnSpc>
               <a:buFont typeface="Wingdings" panose="05000000000000000000" pitchFamily="2" charset="2"/>
               <a:buChar char="§"/>
@@ -1440,13 +1512,13 @@
                 </a:solidFill>
                 <a:latin typeface="Lato" panose="020F0502020204030203" pitchFamily="34" charset="0"/>
               </a:rPr>
-              <a:t>Have to install Git and using Git Bash during this course.</a:t>
+              <a:t>Install Git &amp; register an account at Github.com.</a:t>
             </a:r>
           </a:p>
           <a:p>
             <a:pPr marL="342900" indent="-342900">
               <a:lnSpc>
-                <a:spcPct val="200000"/>
+                <a:spcPct val="150000"/>
               </a:lnSpc>
               <a:buFont typeface="Wingdings" panose="05000000000000000000" pitchFamily="2" charset="2"/>
               <a:buChar char="§"/>
@@ -1458,13 +1530,13 @@
                 </a:solidFill>
                 <a:latin typeface="Lato" panose="020F0502020204030203" pitchFamily="34" charset="0"/>
               </a:rPr>
-              <a:t>Learn some of command line to using like : cd, ls, rm, mv, cp.</a:t>
+              <a:t>Git is a software tool that we use to track the changes made to our software over time.</a:t>
             </a:r>
           </a:p>
           <a:p>
             <a:pPr marL="342900" indent="-342900">
               <a:lnSpc>
-                <a:spcPct val="200000"/>
+                <a:spcPct val="150000"/>
               </a:lnSpc>
               <a:buFont typeface="Wingdings" panose="05000000000000000000" pitchFamily="2" charset="2"/>
               <a:buChar char="§"/>
@@ -1476,101 +1548,8 @@
                 </a:solidFill>
                 <a:latin typeface="Lato" panose="020F0502020204030203" pitchFamily="34" charset="0"/>
               </a:rPr>
-              <a:t>Using Tab (in keyboard) to complete your command line.</a:t>
-            </a:r>
-          </a:p>
-          <a:p>
-            <a:pPr marL="342900" indent="-342900">
-              <a:lnSpc>
-                <a:spcPct val="200000"/>
-              </a:lnSpc>
-              <a:buFont typeface="Wingdings" panose="05000000000000000000" pitchFamily="2" charset="2"/>
-              <a:buChar char="§"/>
-            </a:pPr>
-            <a:r>
-              <a:rPr lang="en-US" sz="2400" dirty="0">
-                <a:solidFill>
-                  <a:schemeClr val="bg1"/>
-                </a:solidFill>
-                <a:latin typeface="Lato" panose="020F0502020204030203" pitchFamily="34" charset="0"/>
-              </a:rPr>
-              <a:t>Try to access into your disk by Git Bash.</a:t>
-            </a:r>
-          </a:p>
-          <a:p>
-            <a:pPr marL="342900" indent="-342900">
-              <a:lnSpc>
-                <a:spcPct val="200000"/>
-              </a:lnSpc>
-              <a:buFont typeface="Wingdings" panose="05000000000000000000" pitchFamily="2" charset="2"/>
-              <a:buChar char="§"/>
-            </a:pPr>
-            <a:r>
-              <a:rPr lang="en-US" sz="2400" dirty="0">
-                <a:solidFill>
-                  <a:schemeClr val="bg1"/>
-                </a:solidFill>
-                <a:latin typeface="Lato" panose="020F0502020204030203" pitchFamily="34" charset="0"/>
-              </a:rPr>
-              <a:t>Try this one : </a:t>
-            </a:r>
-            <a:r>
-              <a:rPr lang="en-US" sz="2400" b="1" dirty="0">
-                <a:solidFill>
-                  <a:schemeClr val="bg1"/>
-                </a:solidFill>
-                <a:latin typeface="Verdana" panose="020B0604030504040204" pitchFamily="34" charset="0"/>
-                <a:ea typeface="Verdana" panose="020B0604030504040204" pitchFamily="34" charset="0"/>
-                <a:cs typeface="Adobe Arabic" panose="02040503050201020203" pitchFamily="18" charset="-78"/>
-              </a:rPr>
-              <a:t>cd C:/ </a:t>
-            </a:r>
-            <a:r>
-              <a:rPr lang="en-US" sz="2400" dirty="0">
-                <a:solidFill>
-                  <a:schemeClr val="bg1"/>
-                </a:solidFill>
-                <a:latin typeface="Lato" panose="020F0502020204030203" pitchFamily="34" charset="0"/>
-              </a:rPr>
-              <a:t>and </a:t>
-            </a:r>
-            <a:r>
-              <a:rPr lang="en-US" sz="2400" b="1" dirty="0" err="1">
-                <a:solidFill>
-                  <a:schemeClr val="bg1"/>
-                </a:solidFill>
-                <a:latin typeface="Verdana" panose="020B0604030504040204" pitchFamily="34" charset="0"/>
-                <a:ea typeface="Verdana" panose="020B0604030504040204" pitchFamily="34" charset="0"/>
-              </a:rPr>
-              <a:t>mkdir</a:t>
-            </a:r>
-            <a:r>
-              <a:rPr lang="en-US" sz="2400" b="1" dirty="0">
-                <a:solidFill>
-                  <a:schemeClr val="bg1"/>
-                </a:solidFill>
-                <a:latin typeface="Verdana" panose="020B0604030504040204" pitchFamily="34" charset="0"/>
-                <a:ea typeface="Verdana" panose="020B0604030504040204" pitchFamily="34" charset="0"/>
-              </a:rPr>
-              <a:t> my-folder</a:t>
-            </a:r>
-            <a:r>
-              <a:rPr lang="en-US" sz="2400" dirty="0">
-                <a:solidFill>
-                  <a:schemeClr val="bg1"/>
-                </a:solidFill>
-                <a:latin typeface="Verdana" panose="020B0604030504040204" pitchFamily="34" charset="0"/>
-                <a:ea typeface="Verdana" panose="020B0604030504040204" pitchFamily="34" charset="0"/>
-              </a:rPr>
-              <a:t>, then using cd to go to that folder.</a:t>
-            </a:r>
-            <a:endParaRPr lang="en-US" sz="2400" b="1" dirty="0">
-              <a:solidFill>
-                <a:schemeClr val="bg1"/>
-              </a:solidFill>
-              <a:latin typeface="Verdana" panose="020B0604030504040204" pitchFamily="34" charset="0"/>
-              <a:ea typeface="Verdana" panose="020B0604030504040204" pitchFamily="34" charset="0"/>
-            </a:endParaRPr>
+              <a:t>GitHub is a code hosting platform for version control and collaboration. It lets you and others work together on projects from anywhere.</a:t>
+            </a:r>
           </a:p>
         </p:txBody>
       </p:sp>
@@ -1579,7 +1558,7 @@
           <p:cNvPr id="21" name="Straight Connector 20">
             <a:extLst>
               <a:ext uri="{FF2B5EF4-FFF2-40B4-BE49-F238E27FC236}">
-                <a16:creationId xmlns:a16="http://schemas.microsoft.com/office/drawing/2014/main" id="{04DF2574-DB2D-48B5-9219-5349A971A6F0}"/>
+                <a16:creationId xmlns:a16="http://schemas.microsoft.com/office/drawing/2014/main" id="{FDBF1F18-61FA-425C-8993-BDEDFE7F11A4}"/>
               </a:ext>
             </a:extLst>
           </p:cNvPr>
@@ -1617,10 +1596,46 @@
           </a:fontRef>
         </p:style>
       </p:cxnSp>
+      <p:pic>
+        <p:nvPicPr>
+          <p:cNvPr id="9" name="Picture 8">
+            <a:extLst>
+              <a:ext uri="{FF2B5EF4-FFF2-40B4-BE49-F238E27FC236}">
+                <a16:creationId xmlns:a16="http://schemas.microsoft.com/office/drawing/2014/main" id="{2AC6AC62-B45E-49AB-9C30-35793267043F}"/>
+              </a:ext>
+            </a:extLst>
+          </p:cNvPr>
+          <p:cNvPicPr>
+            <a:picLocks noChangeAspect="1"/>
+          </p:cNvPicPr>
+          <p:nvPr/>
+        </p:nvPicPr>
+        <p:blipFill>
+          <a:blip r:embed="rId2">
+            <a:extLst>
+              <a:ext uri="{28A0092B-C50C-407E-A947-70E740481C1C}">
+                <a14:useLocalDpi xmlns:a14="http://schemas.microsoft.com/office/drawing/2010/main" val="0"/>
+              </a:ext>
+            </a:extLst>
+          </a:blip>
+          <a:stretch>
+            <a:fillRect/>
+          </a:stretch>
+        </p:blipFill>
+        <p:spPr>
+          <a:xfrm>
+            <a:off x="6958884" y="1757324"/>
+            <a:ext cx="5069901" cy="4159359"/>
+          </a:xfrm>
+          <a:prstGeom prst="rect">
+            <a:avLst/>
+          </a:prstGeom>
+        </p:spPr>
+      </p:pic>
     </p:spTree>
     <p:extLst>
       <p:ext uri="{BB962C8B-B14F-4D97-AF65-F5344CB8AC3E}">
-        <p14:creationId xmlns:p14="http://schemas.microsoft.com/office/powerpoint/2010/main" val="2710105719"/>
+        <p14:creationId xmlns:p14="http://schemas.microsoft.com/office/powerpoint/2010/main" val="2297106762"/>
       </p:ext>
     </p:extLst>
   </p:cSld>
@@ -1649,10 +1664,10 @@
       </p:grpSpPr>
       <p:sp>
         <p:nvSpPr>
-          <p:cNvPr id="7" name="Rectangle 6">
-            <a:extLst>
-              <a:ext uri="{FF2B5EF4-FFF2-40B4-BE49-F238E27FC236}">
-                <a16:creationId xmlns:a16="http://schemas.microsoft.com/office/drawing/2014/main" id="{215A2AB9-2625-4A12-98A4-F81051A7D6CC}"/>
+          <p:cNvPr id="19" name="Rectangle 18">
+            <a:extLst>
+              <a:ext uri="{FF2B5EF4-FFF2-40B4-BE49-F238E27FC236}">
+                <a16:creationId xmlns:a16="http://schemas.microsoft.com/office/drawing/2014/main" id="{FD20D335-BC57-4CF3-B6F0-95DF722FDE8F}"/>
               </a:ext>
             </a:extLst>
           </p:cNvPr>
@@ -1705,10 +1720,10 @@
       </p:sp>
       <p:sp>
         <p:nvSpPr>
-          <p:cNvPr id="3" name="TextBox 2">
-            <a:extLst>
-              <a:ext uri="{FF2B5EF4-FFF2-40B4-BE49-F238E27FC236}">
-                <a16:creationId xmlns:a16="http://schemas.microsoft.com/office/drawing/2014/main" id="{721AD11B-6019-4245-85C7-F68C7DB422FC}"/>
+          <p:cNvPr id="2" name="TextBox 1">
+            <a:extLst>
+              <a:ext uri="{FF2B5EF4-FFF2-40B4-BE49-F238E27FC236}">
+                <a16:creationId xmlns:a16="http://schemas.microsoft.com/office/drawing/2014/main" id="{C7B98FD7-B2FD-4A6D-82FB-5C063DF09B5D}"/>
               </a:ext>
             </a:extLst>
           </p:cNvPr>
@@ -1717,8 +1732,8 @@
         </p:nvSpPr>
         <p:spPr>
           <a:xfrm>
-            <a:off x="3212940" y="859665"/>
-            <a:ext cx="5766130" cy="646331"/>
+            <a:off x="2912279" y="859665"/>
+            <a:ext cx="6367449" cy="646331"/>
           </a:xfrm>
           <a:prstGeom prst="rect">
             <a:avLst/>
@@ -1739,7 +1754,7 @@
                 </a:solidFill>
                 <a:latin typeface="Lato" panose="020F0502020204030203" pitchFamily="34" charset="0"/>
               </a:rPr>
-              <a:t>TRY GITHUB REPOSITORY</a:t>
+              <a:t>GIT BASH &amp; COMMAND LINE</a:t>
             </a:r>
           </a:p>
         </p:txBody>
@@ -1749,7 +1764,7 @@
           <p:cNvPr id="5" name="TextBox 4">
             <a:extLst>
               <a:ext uri="{FF2B5EF4-FFF2-40B4-BE49-F238E27FC236}">
-                <a16:creationId xmlns:a16="http://schemas.microsoft.com/office/drawing/2014/main" id="{3F42389B-177A-4060-B412-80654A8B66DF}"/>
+                <a16:creationId xmlns:a16="http://schemas.microsoft.com/office/drawing/2014/main" id="{CDB03B32-ABC1-4EE8-8011-78AE9023D2EE}"/>
               </a:ext>
             </a:extLst>
           </p:cNvPr>
@@ -1758,8 +1773,8 @@
         </p:nvSpPr>
         <p:spPr>
           <a:xfrm>
-            <a:off x="-1802" y="1505996"/>
-            <a:ext cx="12192000" cy="4405180"/>
+            <a:off x="0" y="1685487"/>
+            <a:ext cx="12192000" cy="3666196"/>
           </a:xfrm>
           <a:prstGeom prst="rect">
             <a:avLst/>
@@ -1786,7 +1801,7 @@
                 </a:solidFill>
                 <a:latin typeface="Lato" panose="020F0502020204030203" pitchFamily="34" charset="0"/>
               </a:rPr>
-              <a:t>Git pull origin master https://github.com/namnh06/aptech-php-course.</a:t>
+              <a:t>Have to install Git and using Git Bash during this course.</a:t>
             </a:r>
           </a:p>
           <a:p>
@@ -1804,7 +1819,7 @@
                 </a:solidFill>
                 <a:latin typeface="Lato" panose="020F0502020204030203" pitchFamily="34" charset="0"/>
               </a:rPr>
-              <a:t>Then create new Repository at Github.com with name convention : Aptech-php-13-your-name, then ADD, COMMIT and PUSH into your repository.</a:t>
+              <a:t>Learn some of command line to using like : cd, ls, rm, mv, cp.</a:t>
             </a:r>
           </a:p>
           <a:p>
@@ -1822,7 +1837,7 @@
                 </a:solidFill>
                 <a:latin typeface="Lato" panose="020F0502020204030203" pitchFamily="34" charset="0"/>
               </a:rPr>
-              <a:t>Remember to config your account at local (your computer) :</a:t>
+              <a:t>Using Tab (in keyboard) to complete your command line.</a:t>
             </a:r>
           </a:p>
           <a:p>
@@ -1831,7 +1846,7 @@
                 <a:spcPct val="200000"/>
               </a:lnSpc>
               <a:buFont typeface="Wingdings" panose="05000000000000000000" pitchFamily="2" charset="2"/>
-              <a:buChar char="ü"/>
+              <a:buChar char="§"/>
             </a:pPr>
             <a:r>
               <a:rPr lang="en-US" sz="2400" dirty="0">
@@ -1840,7 +1855,7 @@
                 </a:solidFill>
                 <a:latin typeface="Lato" panose="020F0502020204030203" pitchFamily="34" charset="0"/>
               </a:rPr>
-              <a:t> git config --global user.name "[name]“</a:t>
+              <a:t>Try to access into your disk by Git Bash.</a:t>
             </a:r>
           </a:p>
           <a:p>
@@ -1849,7 +1864,7 @@
                 <a:spcPct val="200000"/>
               </a:lnSpc>
               <a:buFont typeface="Wingdings" panose="05000000000000000000" pitchFamily="2" charset="2"/>
-              <a:buChar char="ü"/>
+              <a:buChar char="§"/>
             </a:pPr>
             <a:r>
               <a:rPr lang="en-US" sz="2400" dirty="0">
@@ -1858,35 +1873,74 @@
                 </a:solidFill>
                 <a:latin typeface="Lato" panose="020F0502020204030203" pitchFamily="34" charset="0"/>
               </a:rPr>
-              <a:t>git config --global </a:t>
-            </a:r>
-            <a:r>
-              <a:rPr lang="en-US" sz="2400" dirty="0" err="1">
-                <a:solidFill>
-                  <a:schemeClr val="bg1"/>
-                </a:solidFill>
-                <a:latin typeface="Lato" panose="020F0502020204030203" pitchFamily="34" charset="0"/>
-              </a:rPr>
-              <a:t>user.email</a:t>
-            </a:r>
-            <a:r>
-              <a:rPr lang="en-US" sz="2400" dirty="0">
-                <a:solidFill>
-                  <a:schemeClr val="bg1"/>
-                </a:solidFill>
-                <a:latin typeface="Lato" panose="020F0502020204030203" pitchFamily="34" charset="0"/>
-              </a:rPr>
-              <a:t> "[email address]"</a:t>
-            </a:r>
+              <a:t>Try this one : </a:t>
+            </a:r>
+            <a:r>
+              <a:rPr lang="en-US" sz="2400" b="1" dirty="0">
+                <a:solidFill>
+                  <a:schemeClr val="bg1"/>
+                </a:solidFill>
+                <a:latin typeface="Verdana" panose="020B0604030504040204" pitchFamily="34" charset="0"/>
+                <a:ea typeface="Verdana" panose="020B0604030504040204" pitchFamily="34" charset="0"/>
+                <a:cs typeface="Adobe Arabic" panose="02040503050201020203" pitchFamily="18" charset="-78"/>
+              </a:rPr>
+              <a:t>cd C:/ </a:t>
+            </a:r>
+            <a:r>
+              <a:rPr lang="en-US" sz="2400" dirty="0">
+                <a:solidFill>
+                  <a:schemeClr val="bg1"/>
+                </a:solidFill>
+                <a:latin typeface="Lato" panose="020F0502020204030203" pitchFamily="34" charset="0"/>
+              </a:rPr>
+              <a:t>and </a:t>
+            </a:r>
+            <a:r>
+              <a:rPr lang="en-US" sz="2400" b="1" dirty="0" err="1">
+                <a:solidFill>
+                  <a:schemeClr val="bg1"/>
+                </a:solidFill>
+                <a:latin typeface="Verdana" panose="020B0604030504040204" pitchFamily="34" charset="0"/>
+                <a:ea typeface="Verdana" panose="020B0604030504040204" pitchFamily="34" charset="0"/>
+              </a:rPr>
+              <a:t>mkdir</a:t>
+            </a:r>
+            <a:r>
+              <a:rPr lang="en-US" sz="2400" b="1" dirty="0">
+                <a:solidFill>
+                  <a:schemeClr val="bg1"/>
+                </a:solidFill>
+                <a:latin typeface="Verdana" panose="020B0604030504040204" pitchFamily="34" charset="0"/>
+                <a:ea typeface="Verdana" panose="020B0604030504040204" pitchFamily="34" charset="0"/>
+              </a:rPr>
+              <a:t> my-folder</a:t>
+            </a:r>
+            <a:r>
+              <a:rPr lang="en-US" sz="2400" dirty="0">
+                <a:solidFill>
+                  <a:schemeClr val="bg1"/>
+                </a:solidFill>
+                <a:latin typeface="Verdana" panose="020B0604030504040204" pitchFamily="34" charset="0"/>
+                <a:ea typeface="Verdana" panose="020B0604030504040204" pitchFamily="34" charset="0"/>
+              </a:rPr>
+              <a:t>, then using cd to go to that folder.</a:t>
+            </a:r>
+            <a:endParaRPr lang="en-US" sz="2400" b="1" dirty="0">
+              <a:solidFill>
+                <a:schemeClr val="bg1"/>
+              </a:solidFill>
+              <a:latin typeface="Verdana" panose="020B0604030504040204" pitchFamily="34" charset="0"/>
+              <a:ea typeface="Verdana" panose="020B0604030504040204" pitchFamily="34" charset="0"/>
+            </a:endParaRPr>
           </a:p>
         </p:txBody>
       </p:sp>
       <p:cxnSp>
         <p:nvCxnSpPr>
-          <p:cNvPr id="6" name="Straight Connector 5">
-            <a:extLst>
-              <a:ext uri="{FF2B5EF4-FFF2-40B4-BE49-F238E27FC236}">
-                <a16:creationId xmlns:a16="http://schemas.microsoft.com/office/drawing/2014/main" id="{F16A3C48-EA66-44C5-9CBB-4017043D94A6}"/>
+          <p:cNvPr id="21" name="Straight Connector 20">
+            <a:extLst>
+              <a:ext uri="{FF2B5EF4-FFF2-40B4-BE49-F238E27FC236}">
+                <a16:creationId xmlns:a16="http://schemas.microsoft.com/office/drawing/2014/main" id="{04DF2574-DB2D-48B5-9219-5349A971A6F0}"/>
               </a:ext>
             </a:extLst>
           </p:cNvPr>
@@ -1927,7 +1981,7 @@
     </p:spTree>
     <p:extLst>
       <p:ext uri="{BB962C8B-B14F-4D97-AF65-F5344CB8AC3E}">
-        <p14:creationId xmlns:p14="http://schemas.microsoft.com/office/powerpoint/2010/main" val="1338757356"/>
+        <p14:creationId xmlns:p14="http://schemas.microsoft.com/office/powerpoint/2010/main" val="2710105719"/>
       </p:ext>
     </p:extLst>
   </p:cSld>
@@ -1959,6 +2013,313 @@
           <p:cNvPr id="7" name="Rectangle 6">
             <a:extLst>
               <a:ext uri="{FF2B5EF4-FFF2-40B4-BE49-F238E27FC236}">
+                <a16:creationId xmlns:a16="http://schemas.microsoft.com/office/drawing/2014/main" id="{215A2AB9-2625-4A12-98A4-F81051A7D6CC}"/>
+              </a:ext>
+            </a:extLst>
+          </p:cNvPr>
+          <p:cNvSpPr/>
+          <p:nvPr/>
+        </p:nvSpPr>
+        <p:spPr>
+          <a:xfrm>
+            <a:off x="1802" y="859665"/>
+            <a:ext cx="12192000" cy="5138670"/>
+          </a:xfrm>
+          <a:prstGeom prst="rect">
+            <a:avLst/>
+          </a:prstGeom>
+          <a:solidFill>
+            <a:srgbClr val="4F5B93"/>
+          </a:solidFill>
+          <a:ln>
+            <a:noFill/>
+          </a:ln>
+        </p:spPr>
+        <p:style>
+          <a:lnRef idx="2">
+            <a:schemeClr val="accent1">
+              <a:shade val="50000"/>
+            </a:schemeClr>
+          </a:lnRef>
+          <a:fillRef idx="1">
+            <a:schemeClr val="accent1"/>
+          </a:fillRef>
+          <a:effectRef idx="0">
+            <a:schemeClr val="accent1"/>
+          </a:effectRef>
+          <a:fontRef idx="minor">
+            <a:schemeClr val="lt1"/>
+          </a:fontRef>
+        </p:style>
+        <p:txBody>
+          <a:bodyPr rtlCol="0" anchor="ctr"/>
+          <a:lstStyle/>
+          <a:p>
+            <a:pPr algn="ctr"/>
+            <a:endParaRPr lang="en-US" sz="4800" dirty="0">
+              <a:latin typeface="Lato Black" panose="020F0A02020204030203" pitchFamily="34" charset="0"/>
+              <a:ea typeface="Open Sans ExtraBold" panose="020B0906030804020204" pitchFamily="34" charset="0"/>
+              <a:cs typeface="Open Sans ExtraBold" panose="020B0906030804020204" pitchFamily="34" charset="0"/>
+            </a:endParaRPr>
+          </a:p>
+        </p:txBody>
+      </p:sp>
+      <p:sp>
+        <p:nvSpPr>
+          <p:cNvPr id="3" name="TextBox 2">
+            <a:extLst>
+              <a:ext uri="{FF2B5EF4-FFF2-40B4-BE49-F238E27FC236}">
+                <a16:creationId xmlns:a16="http://schemas.microsoft.com/office/drawing/2014/main" id="{721AD11B-6019-4245-85C7-F68C7DB422FC}"/>
+              </a:ext>
+            </a:extLst>
+          </p:cNvPr>
+          <p:cNvSpPr txBox="1"/>
+          <p:nvPr/>
+        </p:nvSpPr>
+        <p:spPr>
+          <a:xfrm>
+            <a:off x="3212940" y="859665"/>
+            <a:ext cx="5766130" cy="646331"/>
+          </a:xfrm>
+          <a:prstGeom prst="rect">
+            <a:avLst/>
+          </a:prstGeom>
+          <a:noFill/>
+        </p:spPr>
+        <p:txBody>
+          <a:bodyPr wrap="none" rtlCol="0">
+            <a:spAutoFit/>
+          </a:bodyPr>
+          <a:lstStyle/>
+          <a:p>
+            <a:pPr algn="ctr"/>
+            <a:r>
+              <a:rPr lang="en-US" sz="3600" dirty="0">
+                <a:solidFill>
+                  <a:schemeClr val="bg1"/>
+                </a:solidFill>
+                <a:latin typeface="Lato" panose="020F0502020204030203" pitchFamily="34" charset="0"/>
+              </a:rPr>
+              <a:t>TRY GITHUB REPOSITORY</a:t>
+            </a:r>
+          </a:p>
+        </p:txBody>
+      </p:sp>
+      <p:sp>
+        <p:nvSpPr>
+          <p:cNvPr id="5" name="TextBox 4">
+            <a:extLst>
+              <a:ext uri="{FF2B5EF4-FFF2-40B4-BE49-F238E27FC236}">
+                <a16:creationId xmlns:a16="http://schemas.microsoft.com/office/drawing/2014/main" id="{3F42389B-177A-4060-B412-80654A8B66DF}"/>
+              </a:ext>
+            </a:extLst>
+          </p:cNvPr>
+          <p:cNvSpPr txBox="1"/>
+          <p:nvPr/>
+        </p:nvSpPr>
+        <p:spPr>
+          <a:xfrm>
+            <a:off x="-1802" y="1505996"/>
+            <a:ext cx="12192000" cy="4405180"/>
+          </a:xfrm>
+          <a:prstGeom prst="rect">
+            <a:avLst/>
+          </a:prstGeom>
+          <a:noFill/>
+        </p:spPr>
+        <p:txBody>
+          <a:bodyPr wrap="square" rtlCol="0">
+            <a:spAutoFit/>
+          </a:bodyPr>
+          <a:lstStyle/>
+          <a:p>
+            <a:pPr marL="342900" indent="-342900">
+              <a:lnSpc>
+                <a:spcPct val="200000"/>
+              </a:lnSpc>
+              <a:buFont typeface="Wingdings" panose="05000000000000000000" pitchFamily="2" charset="2"/>
+              <a:buChar char="§"/>
+            </a:pPr>
+            <a:r>
+              <a:rPr lang="en-US" sz="2400" dirty="0">
+                <a:solidFill>
+                  <a:schemeClr val="bg1"/>
+                </a:solidFill>
+                <a:latin typeface="Lato" panose="020F0502020204030203" pitchFamily="34" charset="0"/>
+              </a:rPr>
+              <a:t>Git pull origin master https://github.com/namnh06/aptech-php-course.</a:t>
+            </a:r>
+          </a:p>
+          <a:p>
+            <a:pPr marL="342900" indent="-342900">
+              <a:lnSpc>
+                <a:spcPct val="200000"/>
+              </a:lnSpc>
+              <a:buFont typeface="Wingdings" panose="05000000000000000000" pitchFamily="2" charset="2"/>
+              <a:buChar char="§"/>
+            </a:pPr>
+            <a:r>
+              <a:rPr lang="en-US" sz="2400" dirty="0">
+                <a:solidFill>
+                  <a:schemeClr val="bg1"/>
+                </a:solidFill>
+                <a:latin typeface="Lato" panose="020F0502020204030203" pitchFamily="34" charset="0"/>
+              </a:rPr>
+              <a:t>Then create new Repository at Github.com with name convention : Aptech-php-13-your-name, then ADD, COMMIT and PUSH into your repository.</a:t>
+            </a:r>
+          </a:p>
+          <a:p>
+            <a:pPr marL="342900" indent="-342900">
+              <a:lnSpc>
+                <a:spcPct val="200000"/>
+              </a:lnSpc>
+              <a:buFont typeface="Wingdings" panose="05000000000000000000" pitchFamily="2" charset="2"/>
+              <a:buChar char="§"/>
+            </a:pPr>
+            <a:r>
+              <a:rPr lang="en-US" sz="2400" dirty="0">
+                <a:solidFill>
+                  <a:schemeClr val="bg1"/>
+                </a:solidFill>
+                <a:latin typeface="Lato" panose="020F0502020204030203" pitchFamily="34" charset="0"/>
+              </a:rPr>
+              <a:t>Remember to config your account at local (your computer) :</a:t>
+            </a:r>
+          </a:p>
+          <a:p>
+            <a:pPr marL="342900" indent="-342900">
+              <a:lnSpc>
+                <a:spcPct val="200000"/>
+              </a:lnSpc>
+              <a:buFont typeface="Wingdings" panose="05000000000000000000" pitchFamily="2" charset="2"/>
+              <a:buChar char="ü"/>
+            </a:pPr>
+            <a:r>
+              <a:rPr lang="en-US" sz="2400" dirty="0">
+                <a:solidFill>
+                  <a:schemeClr val="bg1"/>
+                </a:solidFill>
+                <a:latin typeface="Lato" panose="020F0502020204030203" pitchFamily="34" charset="0"/>
+              </a:rPr>
+              <a:t> git config --global user.name "[name]“</a:t>
+            </a:r>
+          </a:p>
+          <a:p>
+            <a:pPr marL="342900" indent="-342900">
+              <a:lnSpc>
+                <a:spcPct val="200000"/>
+              </a:lnSpc>
+              <a:buFont typeface="Wingdings" panose="05000000000000000000" pitchFamily="2" charset="2"/>
+              <a:buChar char="ü"/>
+            </a:pPr>
+            <a:r>
+              <a:rPr lang="en-US" sz="2400" dirty="0">
+                <a:solidFill>
+                  <a:schemeClr val="bg1"/>
+                </a:solidFill>
+                <a:latin typeface="Lato" panose="020F0502020204030203" pitchFamily="34" charset="0"/>
+              </a:rPr>
+              <a:t>git config --global </a:t>
+            </a:r>
+            <a:r>
+              <a:rPr lang="en-US" sz="2400" dirty="0" err="1">
+                <a:solidFill>
+                  <a:schemeClr val="bg1"/>
+                </a:solidFill>
+                <a:latin typeface="Lato" panose="020F0502020204030203" pitchFamily="34" charset="0"/>
+              </a:rPr>
+              <a:t>user.email</a:t>
+            </a:r>
+            <a:r>
+              <a:rPr lang="en-US" sz="2400" dirty="0">
+                <a:solidFill>
+                  <a:schemeClr val="bg1"/>
+                </a:solidFill>
+                <a:latin typeface="Lato" panose="020F0502020204030203" pitchFamily="34" charset="0"/>
+              </a:rPr>
+              <a:t> "[email address]"</a:t>
+            </a:r>
+          </a:p>
+        </p:txBody>
+      </p:sp>
+      <p:cxnSp>
+        <p:nvCxnSpPr>
+          <p:cNvPr id="6" name="Straight Connector 5">
+            <a:extLst>
+              <a:ext uri="{FF2B5EF4-FFF2-40B4-BE49-F238E27FC236}">
+                <a16:creationId xmlns:a16="http://schemas.microsoft.com/office/drawing/2014/main" id="{F16A3C48-EA66-44C5-9CBB-4017043D94A6}"/>
+              </a:ext>
+            </a:extLst>
+          </p:cNvPr>
+          <p:cNvCxnSpPr>
+            <a:cxnSpLocks/>
+          </p:cNvCxnSpPr>
+          <p:nvPr/>
+        </p:nvCxnSpPr>
+        <p:spPr>
+          <a:xfrm>
+            <a:off x="0" y="1505996"/>
+            <a:ext cx="12192000" cy="0"/>
+          </a:xfrm>
+          <a:prstGeom prst="line">
+            <a:avLst/>
+          </a:prstGeom>
+          <a:ln>
+            <a:solidFill>
+              <a:schemeClr val="bg1"/>
+            </a:solidFill>
+          </a:ln>
+        </p:spPr>
+        <p:style>
+          <a:lnRef idx="1">
+            <a:schemeClr val="accent1"/>
+          </a:lnRef>
+          <a:fillRef idx="0">
+            <a:schemeClr val="accent1"/>
+          </a:fillRef>
+          <a:effectRef idx="0">
+            <a:schemeClr val="accent1"/>
+          </a:effectRef>
+          <a:fontRef idx="minor">
+            <a:schemeClr val="tx1"/>
+          </a:fontRef>
+        </p:style>
+      </p:cxnSp>
+    </p:spTree>
+    <p:extLst>
+      <p:ext uri="{BB962C8B-B14F-4D97-AF65-F5344CB8AC3E}">
+        <p14:creationId xmlns:p14="http://schemas.microsoft.com/office/powerpoint/2010/main" val="1338757356"/>
+      </p:ext>
+    </p:extLst>
+  </p:cSld>
+  <p:clrMapOvr>
+    <a:masterClrMapping/>
+  </p:clrMapOvr>
+</p:sld>
+</file>
+
+<file path=ppt/slides/slide7.xml><?xml version="1.0" encoding="utf-8"?>
+<p:sld xmlns:a="http://schemas.openxmlformats.org/drawingml/2006/main" xmlns:r="http://schemas.openxmlformats.org/officeDocument/2006/relationships" xmlns:p="http://schemas.openxmlformats.org/presentationml/2006/main">
+  <p:cSld>
+    <p:spTree>
+      <p:nvGrpSpPr>
+        <p:cNvPr id="1" name=""/>
+        <p:cNvGrpSpPr/>
+        <p:nvPr/>
+      </p:nvGrpSpPr>
+      <p:grpSpPr>
+        <a:xfrm>
+          <a:off x="0" y="0"/>
+          <a:ext cx="0" cy="0"/>
+          <a:chOff x="0" y="0"/>
+          <a:chExt cx="0" cy="0"/>
+        </a:xfrm>
+      </p:grpSpPr>
+      <p:sp>
+        <p:nvSpPr>
+          <p:cNvPr id="7" name="Rectangle 6">
+            <a:extLst>
+              <a:ext uri="{FF2B5EF4-FFF2-40B4-BE49-F238E27FC236}">
                 <a16:creationId xmlns:a16="http://schemas.microsoft.com/office/drawing/2014/main" id="{EAE297C0-C0AB-416E-92F0-ACBCC239F1FC}"/>
               </a:ext>
             </a:extLst>
@@ -2262,7 +2623,7 @@
 </p:sld>
 </file>
 
-<file path=ppt/slides/slide7.xml><?xml version="1.0" encoding="utf-8"?>
+<file path=ppt/slides/slide8.xml><?xml version="1.0" encoding="utf-8"?>
 <p:sld xmlns:a="http://schemas.openxmlformats.org/drawingml/2006/main" xmlns:r="http://schemas.openxmlformats.org/officeDocument/2006/relationships" xmlns:p="http://schemas.openxmlformats.org/presentationml/2006/main">
   <p:cSld>
     <p:spTree>
